--- a/01_studies/01_Laborstudie ProVisioNET/schnittskizze.pptx
+++ b/01_studies/01_Laborstudie ProVisioNET/schnittskizze.pptx
@@ -118,6 +118,112 @@
 </p:presentation>
 </file>
 
+<file path=ppt/changesInfos/changesInfo1.xml><?xml version="1.0" encoding="utf-8"?>
+<pc:chgInfo xmlns:a="http://schemas.openxmlformats.org/drawingml/2006/main" xmlns:r="http://schemas.openxmlformats.org/officeDocument/2006/relationships" xmlns:ac="http://schemas.microsoft.com/office/drawing/2013/main/command" xmlns:pc="http://schemas.microsoft.com/office/powerpoint/2013/main/command">
+  <pc:docChgLst>
+    <pc:chgData userId="505858402c07da9d" providerId="LiveId" clId="{603A214F-ED8D-4E18-93B2-51B7913F9FBC}"/>
+    <pc:docChg chg="custSel modSld">
+      <pc:chgData name="" userId="505858402c07da9d" providerId="LiveId" clId="{603A214F-ED8D-4E18-93B2-51B7913F9FBC}" dt="2022-01-24T15:48:32.227" v="59" actId="13926"/>
+      <pc:docMkLst>
+        <pc:docMk/>
+      </pc:docMkLst>
+      <pc:sldChg chg="modSp">
+        <pc:chgData name="" userId="505858402c07da9d" providerId="LiveId" clId="{603A214F-ED8D-4E18-93B2-51B7913F9FBC}" dt="2022-01-24T14:39:12.172" v="0" actId="20577"/>
+        <pc:sldMkLst>
+          <pc:docMk/>
+          <pc:sldMk cId="4277335072" sldId="1760"/>
+        </pc:sldMkLst>
+        <pc:spChg chg="mod">
+          <ac:chgData name="" userId="505858402c07da9d" providerId="LiveId" clId="{603A214F-ED8D-4E18-93B2-51B7913F9FBC}" dt="2022-01-24T14:39:12.172" v="0" actId="20577"/>
+          <ac:spMkLst>
+            <pc:docMk/>
+            <pc:sldMk cId="4277335072" sldId="1760"/>
+            <ac:spMk id="7" creationId="{62856909-C3B4-4E00-AC51-081A902E0C87}"/>
+          </ac:spMkLst>
+        </pc:spChg>
+      </pc:sldChg>
+      <pc:sldChg chg="modSp">
+        <pc:chgData name="" userId="505858402c07da9d" providerId="LiveId" clId="{603A214F-ED8D-4E18-93B2-51B7913F9FBC}" dt="2022-01-24T15:48:32.227" v="59" actId="13926"/>
+        <pc:sldMkLst>
+          <pc:docMk/>
+          <pc:sldMk cId="2566725354" sldId="1772"/>
+        </pc:sldMkLst>
+        <pc:spChg chg="mod">
+          <ac:chgData name="" userId="505858402c07da9d" providerId="LiveId" clId="{603A214F-ED8D-4E18-93B2-51B7913F9FBC}" dt="2022-01-24T15:48:32.227" v="59" actId="13926"/>
+          <ac:spMkLst>
+            <pc:docMk/>
+            <pc:sldMk cId="2566725354" sldId="1772"/>
+            <ac:spMk id="3" creationId="{F470E091-ADF0-46F8-AF19-65A24BB58A6F}"/>
+          </ac:spMkLst>
+        </pc:spChg>
+        <pc:spChg chg="mod">
+          <ac:chgData name="" userId="505858402c07da9d" providerId="LiveId" clId="{603A214F-ED8D-4E18-93B2-51B7913F9FBC}" dt="2022-01-24T15:48:25.342" v="58" actId="1076"/>
+          <ac:spMkLst>
+            <pc:docMk/>
+            <pc:sldMk cId="2566725354" sldId="1772"/>
+            <ac:spMk id="5" creationId="{9002B658-DDB8-49E8-822E-A90175C339D0}"/>
+          </ac:spMkLst>
+        </pc:spChg>
+        <pc:spChg chg="mod">
+          <ac:chgData name="" userId="505858402c07da9d" providerId="LiveId" clId="{603A214F-ED8D-4E18-93B2-51B7913F9FBC}" dt="2022-01-24T15:48:25.342" v="58" actId="1076"/>
+          <ac:spMkLst>
+            <pc:docMk/>
+            <pc:sldMk cId="2566725354" sldId="1772"/>
+            <ac:spMk id="6" creationId="{26478019-4D29-4041-9B94-751ABA44E38E}"/>
+          </ac:spMkLst>
+        </pc:spChg>
+        <pc:spChg chg="mod">
+          <ac:chgData name="" userId="505858402c07da9d" providerId="LiveId" clId="{603A214F-ED8D-4E18-93B2-51B7913F9FBC}" dt="2022-01-24T15:48:25.342" v="58" actId="1076"/>
+          <ac:spMkLst>
+            <pc:docMk/>
+            <pc:sldMk cId="2566725354" sldId="1772"/>
+            <ac:spMk id="7" creationId="{C4BF4466-4ABA-4CFE-A32E-DFE574BE2CC4}"/>
+          </ac:spMkLst>
+        </pc:spChg>
+        <pc:spChg chg="mod">
+          <ac:chgData name="" userId="505858402c07da9d" providerId="LiveId" clId="{603A214F-ED8D-4E18-93B2-51B7913F9FBC}" dt="2022-01-24T15:48:25.342" v="58" actId="1076"/>
+          <ac:spMkLst>
+            <pc:docMk/>
+            <pc:sldMk cId="2566725354" sldId="1772"/>
+            <ac:spMk id="9" creationId="{43E0560D-FBF6-4A3E-AD66-7B1DE5B75245}"/>
+          </ac:spMkLst>
+        </pc:spChg>
+      </pc:sldChg>
+      <pc:sldChg chg="modSp">
+        <pc:chgData name="" userId="505858402c07da9d" providerId="LiveId" clId="{603A214F-ED8D-4E18-93B2-51B7913F9FBC}" dt="2022-01-24T15:47:43.866" v="11" actId="20577"/>
+        <pc:sldMkLst>
+          <pc:docMk/>
+          <pc:sldMk cId="2522944636" sldId="1773"/>
+        </pc:sldMkLst>
+        <pc:spChg chg="mod">
+          <ac:chgData name="" userId="505858402c07da9d" providerId="LiveId" clId="{603A214F-ED8D-4E18-93B2-51B7913F9FBC}" dt="2022-01-24T15:47:43.866" v="11" actId="20577"/>
+          <ac:spMkLst>
+            <pc:docMk/>
+            <pc:sldMk cId="2522944636" sldId="1773"/>
+            <ac:spMk id="3" creationId="{F470E091-ADF0-46F8-AF19-65A24BB58A6F}"/>
+          </ac:spMkLst>
+        </pc:spChg>
+      </pc:sldChg>
+      <pc:sldChg chg="modSp">
+        <pc:chgData name="" userId="505858402c07da9d" providerId="LiveId" clId="{603A214F-ED8D-4E18-93B2-51B7913F9FBC}" dt="2022-01-24T15:47:11.354" v="5" actId="20577"/>
+        <pc:sldMkLst>
+          <pc:docMk/>
+          <pc:sldMk cId="2103740153" sldId="1774"/>
+        </pc:sldMkLst>
+        <pc:spChg chg="mod">
+          <ac:chgData name="" userId="505858402c07da9d" providerId="LiveId" clId="{603A214F-ED8D-4E18-93B2-51B7913F9FBC}" dt="2022-01-24T15:47:11.354" v="5" actId="20577"/>
+          <ac:spMkLst>
+            <pc:docMk/>
+            <pc:sldMk cId="2103740153" sldId="1774"/>
+            <ac:spMk id="3" creationId="{F470E091-ADF0-46F8-AF19-65A24BB58A6F}"/>
+          </ac:spMkLst>
+        </pc:spChg>
+      </pc:sldChg>
+    </pc:docChg>
+  </pc:docChgLst>
+</pc:chgInfo>
+</file>
+
 <file path=ppt/notesMasters/notesMaster1.xml><?xml version="1.0" encoding="utf-8"?>
 <p:notesMaster xmlns:a="http://schemas.openxmlformats.org/drawingml/2006/main" xmlns:r="http://schemas.openxmlformats.org/officeDocument/2006/relationships" xmlns:p="http://schemas.openxmlformats.org/presentationml/2006/main">
   <p:cSld>
@@ -200,7 +306,7 @@
           <a:p>
             <a:fld id="{C45DCE0B-3440-4D60-8F0D-BA25C9E326C8}" type="datetimeFigureOut">
               <a:rPr lang="de-DE" smtClean="0"/>
-              <a:t>20.01.2022</a:t>
+              <a:t>24.01.2022</a:t>
             </a:fld>
             <a:endParaRPr lang="de-DE"/>
           </a:p>
@@ -698,7 +804,7 @@
           <a:p>
             <a:fld id="{D1FB050A-FBDC-4C49-981C-3A843CFC7DBD}" type="datetime1">
               <a:rPr lang="de-DE" smtClean="0"/>
-              <a:t>20.01.2022</a:t>
+              <a:t>24.01.2022</a:t>
             </a:fld>
             <a:endParaRPr lang="de-DE"/>
           </a:p>
@@ -896,7 +1002,7 @@
           <a:p>
             <a:fld id="{7B51D5C6-CCB1-4FE3-8A67-AD7B4B695048}" type="datetime1">
               <a:rPr lang="de-DE" smtClean="0"/>
-              <a:t>20.01.2022</a:t>
+              <a:t>24.01.2022</a:t>
             </a:fld>
             <a:endParaRPr lang="de-DE"/>
           </a:p>
@@ -1104,7 +1210,7 @@
           <a:p>
             <a:fld id="{BD189DAB-4C13-46DF-BB09-306FACA193FD}" type="datetime1">
               <a:rPr lang="de-DE" smtClean="0"/>
-              <a:t>20.01.2022</a:t>
+              <a:t>24.01.2022</a:t>
             </a:fld>
             <a:endParaRPr lang="de-DE"/>
           </a:p>
@@ -1302,7 +1408,7 @@
           <a:p>
             <a:fld id="{3510A2D3-3ECF-4616-8AC3-94D38623287E}" type="datetime1">
               <a:rPr lang="de-DE" smtClean="0"/>
-              <a:t>20.01.2022</a:t>
+              <a:t>24.01.2022</a:t>
             </a:fld>
             <a:endParaRPr lang="de-DE"/>
           </a:p>
@@ -1577,7 +1683,7 @@
           <a:p>
             <a:fld id="{30337044-98AE-4545-9A5E-6D16499459A6}" type="datetime1">
               <a:rPr lang="de-DE" smtClean="0"/>
-              <a:t>20.01.2022</a:t>
+              <a:t>24.01.2022</a:t>
             </a:fld>
             <a:endParaRPr lang="de-DE"/>
           </a:p>
@@ -1842,7 +1948,7 @@
           <a:p>
             <a:fld id="{A1AE21F0-E3B6-4386-B68C-40E30A0FC8B9}" type="datetime1">
               <a:rPr lang="de-DE" smtClean="0"/>
-              <a:t>20.01.2022</a:t>
+              <a:t>24.01.2022</a:t>
             </a:fld>
             <a:endParaRPr lang="de-DE"/>
           </a:p>
@@ -2254,7 +2360,7 @@
           <a:p>
             <a:fld id="{08F2F6D4-2BA6-4CAE-AB5B-70AFC5DF2796}" type="datetime1">
               <a:rPr lang="de-DE" smtClean="0"/>
-              <a:t>20.01.2022</a:t>
+              <a:t>24.01.2022</a:t>
             </a:fld>
             <a:endParaRPr lang="de-DE"/>
           </a:p>
@@ -2395,7 +2501,7 @@
           <a:p>
             <a:fld id="{28FEF84C-70AA-463E-8F8D-E74E13E0F9F0}" type="datetime1">
               <a:rPr lang="de-DE" smtClean="0"/>
-              <a:t>20.01.2022</a:t>
+              <a:t>24.01.2022</a:t>
             </a:fld>
             <a:endParaRPr lang="de-DE"/>
           </a:p>
@@ -2508,7 +2614,7 @@
           <a:p>
             <a:fld id="{54E675F9-8E32-41ED-A1A9-4A9C15BF81A2}" type="datetime1">
               <a:rPr lang="de-DE" smtClean="0"/>
-              <a:t>20.01.2022</a:t>
+              <a:t>24.01.2022</a:t>
             </a:fld>
             <a:endParaRPr lang="de-DE"/>
           </a:p>
@@ -2819,7 +2925,7 @@
           <a:p>
             <a:fld id="{2A92241D-D7F8-4EF6-B971-0C7ADCB79474}" type="datetime1">
               <a:rPr lang="de-DE" smtClean="0"/>
-              <a:t>20.01.2022</a:t>
+              <a:t>24.01.2022</a:t>
             </a:fld>
             <a:endParaRPr lang="de-DE"/>
           </a:p>
@@ -3107,7 +3213,7 @@
           <a:p>
             <a:fld id="{07AD7F68-51C7-4F9A-A832-11BCADB3B846}" type="datetime1">
               <a:rPr lang="de-DE" smtClean="0"/>
-              <a:t>20.01.2022</a:t>
+              <a:t>24.01.2022</a:t>
             </a:fld>
             <a:endParaRPr lang="de-DE"/>
           </a:p>
@@ -3348,7 +3454,7 @@
           <a:p>
             <a:fld id="{E5E7757A-237D-42AE-B425-030E4E94A496}" type="datetime1">
               <a:rPr lang="de-DE" smtClean="0"/>
-              <a:t>20.01.2022</a:t>
+              <a:t>24.01.2022</a:t>
             </a:fld>
             <a:endParaRPr lang="de-DE"/>
           </a:p>
@@ -4219,13 +4325,8 @@
             <a:pPr algn="ctr"/>
             <a:r>
               <a:rPr lang="de-DE" dirty="0"/>
-              <a:t>Cam4 </a:t>
-            </a:r>
-            <a:r>
-              <a:rPr lang="de-DE" dirty="0" err="1"/>
-              <a:t>Vogelperpektive</a:t>
-            </a:r>
-            <a:endParaRPr lang="de-DE" dirty="0"/>
+              <a:t>Cam4 Vogelperspektive</a:t>
+            </a:r>
           </a:p>
         </p:txBody>
       </p:sp>
@@ -5458,7 +5559,9 @@
           </a:xfrm>
         </p:spPr>
         <p:txBody>
-          <a:bodyPr/>
+          <a:bodyPr>
+            <a:normAutofit lnSpcReduction="10000"/>
+          </a:bodyPr>
           <a:lstStyle/>
           <a:p>
             <a:r>
@@ -5544,6 +5647,17 @@
             </a:r>
           </a:p>
           <a:p>
+            <a:r>
+              <a:rPr lang="de-DE" dirty="0">
+                <a:highlight>
+                  <a:srgbClr val="00FF00"/>
+                </a:highlight>
+                <a:sym typeface="Wingdings" panose="05000000000000000000" pitchFamily="2" charset="2"/>
+              </a:rPr>
+              <a:t>Audiospur des ET Videos exportieren</a:t>
+            </a:r>
+          </a:p>
+          <a:p>
             <a:endParaRPr lang="de-DE" dirty="0">
               <a:highlight>
                 <a:srgbClr val="FFFF00"/>
@@ -5684,7 +5798,7 @@
         </p:nvSpPr>
         <p:spPr>
           <a:xfrm>
-            <a:off x="5496448" y="3429000"/>
+            <a:off x="5443285" y="3971261"/>
             <a:ext cx="3376246" cy="1818752"/>
           </a:xfrm>
           <a:prstGeom prst="rect">
@@ -5730,7 +5844,7 @@
         </p:nvSpPr>
         <p:spPr>
           <a:xfrm>
-            <a:off x="5496448" y="3428999"/>
+            <a:off x="5443285" y="3971260"/>
             <a:ext cx="1617785" cy="811404"/>
           </a:xfrm>
           <a:prstGeom prst="rect">
@@ -5783,7 +5897,7 @@
         </p:nvSpPr>
         <p:spPr>
           <a:xfrm>
-            <a:off x="6375678" y="4436348"/>
+            <a:off x="6322515" y="4978609"/>
             <a:ext cx="1617785" cy="811404"/>
           </a:xfrm>
           <a:prstGeom prst="rect">
@@ -5835,7 +5949,7 @@
         </p:nvSpPr>
         <p:spPr>
           <a:xfrm>
-            <a:off x="7254909" y="3429001"/>
+            <a:off x="7201746" y="3971262"/>
             <a:ext cx="1617785" cy="811404"/>
           </a:xfrm>
           <a:prstGeom prst="rect">
@@ -6017,23 +6131,15 @@
             </a:r>
             <a:r>
               <a:rPr lang="de-DE" dirty="0"/>
-              <a:t>“ noch an </a:t>
+              <a:t>“ noch an Namen ergänzen, ansonsten Namen gleich lassen </a:t>
             </a:r>
             <a:r>
               <a:rPr lang="de-DE" dirty="0" err="1"/>
-              <a:t>namen</a:t>
+              <a:t>Bsp</a:t>
             </a:r>
             <a:r>
               <a:rPr lang="de-DE" dirty="0"/>
-              <a:t> ergänzen, ansonsten Namen gleich lassen </a:t>
-            </a:r>
-            <a:r>
-              <a:rPr lang="de-DE" dirty="0" err="1"/>
-              <a:t>bsp</a:t>
-            </a:r>
-            <a:r>
-              <a:rPr lang="de-DE" dirty="0"/>
-              <a:t>:: Provisio_102_etcetcetc_synched.mp4</a:t>
+              <a:t>: Provisio_102_etcetcetc_synched.mp4</a:t>
             </a:r>
           </a:p>
         </p:txBody>
@@ -6172,7 +6278,7 @@
             </a:r>
             <a:r>
               <a:rPr lang="de-DE" dirty="0"/>
-              <a:t> Codes anschauen (bspw. </a:t>
+              <a:t> Codes anschauen (Bspw. </a:t>
             </a:r>
             <a:r>
               <a:rPr lang="de-DE" dirty="0" err="1"/>
@@ -6180,21 +6286,13 @@
             </a:r>
             <a:r>
               <a:rPr lang="de-DE" dirty="0"/>
-              <a:t> Start) und prüfen ob gleicher Moment im exportierten Clip</a:t>
+              <a:t> Start) und prüfen, ob gleicher Moment im exportierten Clip</a:t>
             </a:r>
           </a:p>
           <a:p>
             <a:r>
               <a:rPr lang="de-DE" dirty="0"/>
-              <a:t>Saliente Moment (</a:t>
-            </a:r>
-            <a:r>
-              <a:rPr lang="de-DE" dirty="0" err="1"/>
-              <a:t>bspw</a:t>
-            </a:r>
-            <a:r>
-              <a:rPr lang="de-DE" dirty="0"/>
-              <a:t> Klatschen) in allen Videos suchen und Zeit</a:t>
+              <a:t>Saliente Moment (bspw. Klatschen) in allen Videos suchen und Zeit</a:t>
             </a:r>
           </a:p>
           <a:p>
@@ -6207,15 +6305,7 @@
             <a:pPr lvl="1"/>
             <a:r>
               <a:rPr lang="de-DE" dirty="0"/>
-              <a:t>´101 </a:t>
-            </a:r>
-            <a:r>
-              <a:rPr lang="de-DE" dirty="0" err="1"/>
-              <a:t>is</a:t>
-            </a:r>
-            <a:r>
-              <a:rPr lang="de-DE" dirty="0"/>
-              <a:t> super!</a:t>
+              <a:t>101 ist super!</a:t>
             </a:r>
           </a:p>
           <a:p>
